--- a/output/notWellKnown/I-need-you-now.pptx
+++ b/output/notWellKnown/I-need-you-now.pptx
@@ -3863,11 +3863,11 @@
             </a:r>
             <a:br/>
             <a:r>
-              <a:t>In a dry and barren land I bow down  </a:t>
+              <a:t>In a dry and barren land I bow down</a:t>
             </a:r>
             <a:br/>
             <a:r>
-              <a:t>I need You now </a:t>
+              <a:t>I need You now</a:t>
             </a:r>
             <a:br/>
             <a:r>
@@ -3875,11 +3875,11 @@
             </a:r>
             <a:br/>
             <a:r>
-              <a:t>To Your river I will run I bow down  </a:t>
+              <a:t>To Your river I will run I bow down</a:t>
             </a:r>
             <a:br/>
             <a:r>
-              <a:t>I need You now </a:t>
+              <a:t>I need You now</a:t>
             </a:r>
             <a:br/>
           </a:p>
@@ -3970,19 +3970,19 @@
               <a:defRPr sz="2500"/>
             </a:pPr>
             <a:r>
-              <a:t>O Living Water O God my Savior  </a:t>
+              <a:t>O Living Water O God my Savior</a:t>
             </a:r>
             <a:br/>
             <a:r>
-              <a:t>If I ever needed You I need You now  </a:t>
+              <a:t>If I ever needed You I need You now</a:t>
             </a:r>
             <a:br/>
             <a:r>
-              <a:t>O Living Water O God my Healer  </a:t>
+              <a:t>O Living Water O God my Healer</a:t>
             </a:r>
             <a:br/>
             <a:r>
-              <a:t>If I ever needed You I need You now  </a:t>
+              <a:t>If I ever needed You I need You now</a:t>
             </a:r>
             <a:br/>
           </a:p>
@@ -4184,15 +4184,15 @@
               <a:defRPr sz="2500"/>
             </a:pPr>
             <a:r>
-              <a:t>Just like the desert needs the blessing of the rain  </a:t>
+              <a:t>Just like the desert needs the blessing of the rain</a:t>
             </a:r>
             <a:br/>
             <a:r>
-              <a:t>Just like the winter waiting for the sun again  </a:t>
+              <a:t>Just like the winter waiting for the sun again</a:t>
             </a:r>
             <a:br/>
             <a:r>
-              <a:t>I need You now  </a:t>
+              <a:t>I need You now</a:t>
             </a:r>
             <a:br/>
           </a:p>
